--- a/Explanation.pptx
+++ b/Explanation.pptx
@@ -14,22 +14,21 @@
     <p:sldId id="262" r:id="rId8"/>
     <p:sldId id="263" r:id="rId9"/>
     <p:sldId id="264" r:id="rId10"/>
-    <p:sldId id="265" r:id="rId11"/>
-    <p:sldId id="266" r:id="rId12"/>
-    <p:sldId id="267" r:id="rId13"/>
-    <p:sldId id="268" r:id="rId14"/>
-    <p:sldId id="269" r:id="rId15"/>
-    <p:sldId id="270" r:id="rId16"/>
-    <p:sldId id="271" r:id="rId17"/>
-    <p:sldId id="273" r:id="rId18"/>
-    <p:sldId id="274" r:id="rId19"/>
-    <p:sldId id="275" r:id="rId20"/>
-    <p:sldId id="276" r:id="rId21"/>
-    <p:sldId id="277" r:id="rId22"/>
-    <p:sldId id="278" r:id="rId23"/>
-    <p:sldId id="279" r:id="rId24"/>
-    <p:sldId id="280" r:id="rId25"/>
-    <p:sldId id="272" r:id="rId26"/>
+    <p:sldId id="266" r:id="rId11"/>
+    <p:sldId id="267" r:id="rId12"/>
+    <p:sldId id="268" r:id="rId13"/>
+    <p:sldId id="269" r:id="rId14"/>
+    <p:sldId id="270" r:id="rId15"/>
+    <p:sldId id="271" r:id="rId16"/>
+    <p:sldId id="273" r:id="rId17"/>
+    <p:sldId id="274" r:id="rId18"/>
+    <p:sldId id="275" r:id="rId19"/>
+    <p:sldId id="276" r:id="rId20"/>
+    <p:sldId id="277" r:id="rId21"/>
+    <p:sldId id="278" r:id="rId22"/>
+    <p:sldId id="279" r:id="rId23"/>
+    <p:sldId id="280" r:id="rId24"/>
+    <p:sldId id="272" r:id="rId25"/>
   </p:sldIdLst>
   <p:sldSz cx="12192000" cy="6858000"/>
   <p:notesSz cx="6858000" cy="9144000"/>
@@ -128,6 +127,11 @@
       </a:defRPr>
     </a:lvl9pPr>
   </p:defaultTextStyle>
+  <p:extLst>
+    <p:ext uri="{EFAFB233-063F-42B5-8137-9DF3F51BA10A}">
+      <p15:sldGuideLst xmlns:p15="http://schemas.microsoft.com/office/powerpoint/2012/main"/>
+    </p:ext>
+  </p:extLst>
 </p:presentation>
 </file>
 
@@ -280,7 +284,7 @@
           <a:p>
             <a:fld id="{687E499A-9857-A744-B85A-4EA29AD2EA1C}" type="datetimeFigureOut">
               <a:rPr lang="en-US" smtClean="0"/>
-              <a:t>12/8/24</a:t>
+              <a:t>2/23/25</a:t>
             </a:fld>
             <a:endParaRPr lang="en-US"/>
           </a:p>
@@ -480,7 +484,7 @@
           <a:p>
             <a:fld id="{687E499A-9857-A744-B85A-4EA29AD2EA1C}" type="datetimeFigureOut">
               <a:rPr lang="en-US" smtClean="0"/>
-              <a:t>12/8/24</a:t>
+              <a:t>2/23/25</a:t>
             </a:fld>
             <a:endParaRPr lang="en-US"/>
           </a:p>
@@ -690,7 +694,7 @@
           <a:p>
             <a:fld id="{687E499A-9857-A744-B85A-4EA29AD2EA1C}" type="datetimeFigureOut">
               <a:rPr lang="en-US" smtClean="0"/>
-              <a:t>12/8/24</a:t>
+              <a:t>2/23/25</a:t>
             </a:fld>
             <a:endParaRPr lang="en-US"/>
           </a:p>
@@ -890,7 +894,7 @@
           <a:p>
             <a:fld id="{687E499A-9857-A744-B85A-4EA29AD2EA1C}" type="datetimeFigureOut">
               <a:rPr lang="en-US" smtClean="0"/>
-              <a:t>12/8/24</a:t>
+              <a:t>2/23/25</a:t>
             </a:fld>
             <a:endParaRPr lang="en-US"/>
           </a:p>
@@ -1166,7 +1170,7 @@
           <a:p>
             <a:fld id="{687E499A-9857-A744-B85A-4EA29AD2EA1C}" type="datetimeFigureOut">
               <a:rPr lang="en-US" smtClean="0"/>
-              <a:t>12/8/24</a:t>
+              <a:t>2/23/25</a:t>
             </a:fld>
             <a:endParaRPr lang="en-US"/>
           </a:p>
@@ -1434,7 +1438,7 @@
           <a:p>
             <a:fld id="{687E499A-9857-A744-B85A-4EA29AD2EA1C}" type="datetimeFigureOut">
               <a:rPr lang="en-US" smtClean="0"/>
-              <a:t>12/8/24</a:t>
+              <a:t>2/23/25</a:t>
             </a:fld>
             <a:endParaRPr lang="en-US"/>
           </a:p>
@@ -1849,7 +1853,7 @@
           <a:p>
             <a:fld id="{687E499A-9857-A744-B85A-4EA29AD2EA1C}" type="datetimeFigureOut">
               <a:rPr lang="en-US" smtClean="0"/>
-              <a:t>12/8/24</a:t>
+              <a:t>2/23/25</a:t>
             </a:fld>
             <a:endParaRPr lang="en-US"/>
           </a:p>
@@ -1991,7 +1995,7 @@
           <a:p>
             <a:fld id="{687E499A-9857-A744-B85A-4EA29AD2EA1C}" type="datetimeFigureOut">
               <a:rPr lang="en-US" smtClean="0"/>
-              <a:t>12/8/24</a:t>
+              <a:t>2/23/25</a:t>
             </a:fld>
             <a:endParaRPr lang="en-US"/>
           </a:p>
@@ -2104,7 +2108,7 @@
           <a:p>
             <a:fld id="{687E499A-9857-A744-B85A-4EA29AD2EA1C}" type="datetimeFigureOut">
               <a:rPr lang="en-US" smtClean="0"/>
-              <a:t>12/8/24</a:t>
+              <a:t>2/23/25</a:t>
             </a:fld>
             <a:endParaRPr lang="en-US"/>
           </a:p>
@@ -2417,7 +2421,7 @@
           <a:p>
             <a:fld id="{687E499A-9857-A744-B85A-4EA29AD2EA1C}" type="datetimeFigureOut">
               <a:rPr lang="en-US" smtClean="0"/>
-              <a:t>12/8/24</a:t>
+              <a:t>2/23/25</a:t>
             </a:fld>
             <a:endParaRPr lang="en-US"/>
           </a:p>
@@ -2706,7 +2710,7 @@
           <a:p>
             <a:fld id="{687E499A-9857-A744-B85A-4EA29AD2EA1C}" type="datetimeFigureOut">
               <a:rPr lang="en-US" smtClean="0"/>
-              <a:t>12/8/24</a:t>
+              <a:t>2/23/25</a:t>
             </a:fld>
             <a:endParaRPr lang="en-US"/>
           </a:p>
@@ -2949,7 +2953,7 @@
           <a:p>
             <a:fld id="{687E499A-9857-A744-B85A-4EA29AD2EA1C}" type="datetimeFigureOut">
               <a:rPr lang="en-US" smtClean="0"/>
-              <a:t>12/8/24</a:t>
+              <a:t>2/23/25</a:t>
             </a:fld>
             <a:endParaRPr lang="en-US"/>
           </a:p>
@@ -3458,130 +3462,6 @@
 </file>
 
 <file path=ppt/slides/slide10.xml><?xml version="1.0" encoding="utf-8"?>
-<p:sld xmlns:a="http://schemas.openxmlformats.org/drawingml/2006/main" xmlns:r="http://schemas.openxmlformats.org/officeDocument/2006/relationships" xmlns:p="http://schemas.openxmlformats.org/presentationml/2006/main">
-  <p:cSld>
-    <p:spTree>
-      <p:nvGrpSpPr>
-        <p:cNvPr id="1" name=""/>
-        <p:cNvGrpSpPr/>
-        <p:nvPr/>
-      </p:nvGrpSpPr>
-      <p:grpSpPr>
-        <a:xfrm>
-          <a:off x="0" y="0"/>
-          <a:ext cx="0" cy="0"/>
-          <a:chOff x="0" y="0"/>
-          <a:chExt cx="0" cy="0"/>
-        </a:xfrm>
-      </p:grpSpPr>
-      <p:sp>
-        <p:nvSpPr>
-          <p:cNvPr id="2" name="Title 1">
-            <a:extLst>
-              <a:ext uri="{FF2B5EF4-FFF2-40B4-BE49-F238E27FC236}">
-                <a16:creationId xmlns:a16="http://schemas.microsoft.com/office/drawing/2014/main" id="{71190D8A-E90E-45DF-0D09-2EAB9F5ADE6D}"/>
-              </a:ext>
-            </a:extLst>
-          </p:cNvPr>
-          <p:cNvSpPr>
-            <a:spLocks noGrp="1"/>
-          </p:cNvSpPr>
-          <p:nvPr>
-            <p:ph type="title"/>
-          </p:nvPr>
-        </p:nvSpPr>
-        <p:spPr/>
-        <p:txBody>
-          <a:bodyPr/>
-          <a:lstStyle/>
-          <a:p>
-            <a:r>
-              <a:rPr lang="en-US" b="1" dirty="0"/>
-              <a:t>Features</a:t>
-            </a:r>
-          </a:p>
-        </p:txBody>
-      </p:sp>
-      <p:sp>
-        <p:nvSpPr>
-          <p:cNvPr id="3" name="Content Placeholder 2">
-            <a:extLst>
-              <a:ext uri="{FF2B5EF4-FFF2-40B4-BE49-F238E27FC236}">
-                <a16:creationId xmlns:a16="http://schemas.microsoft.com/office/drawing/2014/main" id="{7B2F0EBD-B545-FBF9-D946-21BDABEAD1EC}"/>
-              </a:ext>
-            </a:extLst>
-          </p:cNvPr>
-          <p:cNvSpPr>
-            <a:spLocks noGrp="1"/>
-          </p:cNvSpPr>
-          <p:nvPr>
-            <p:ph idx="1"/>
-          </p:nvPr>
-        </p:nvSpPr>
-        <p:spPr/>
-        <p:txBody>
-          <a:bodyPr>
-            <a:normAutofit/>
-          </a:bodyPr>
-          <a:lstStyle/>
-          <a:p>
-            <a:pPr marL="0" indent="0">
-              <a:buNone/>
-            </a:pPr>
-            <a:r>
-              <a:rPr lang="en-US" dirty="0">
-                <a:latin typeface="Calibri" panose="020F0502020204030204" pitchFamily="34" charset="0"/>
-                <a:cs typeface="Calibri" panose="020F0502020204030204" pitchFamily="34" charset="0"/>
-              </a:rPr>
-              <a:t>11. </a:t>
-            </a:r>
-            <a:r>
-              <a:rPr lang="en-MY" dirty="0">
-                <a:effectLst/>
-                <a:latin typeface="Calibri" panose="020F0502020204030204" pitchFamily="34" charset="0"/>
-                <a:cs typeface="Calibri" panose="020F0502020204030204" pitchFamily="34" charset="0"/>
-              </a:rPr>
-              <a:t>Data Privacy</a:t>
-            </a:r>
-          </a:p>
-          <a:p>
-            <a:pPr lvl="1"/>
-            <a:r>
-              <a:rPr lang="en-MY" b="0" dirty="0">
-                <a:effectLst/>
-                <a:latin typeface="Calibri" panose="020F0502020204030204" pitchFamily="34" charset="0"/>
-                <a:cs typeface="Calibri" panose="020F0502020204030204" pitchFamily="34" charset="0"/>
-              </a:rPr>
-              <a:t>Guardrail request on other user’s data.</a:t>
-            </a:r>
-          </a:p>
-          <a:p>
-            <a:pPr lvl="2"/>
-            <a:r>
-              <a:rPr lang="en-MY" b="0" dirty="0">
-                <a:effectLst/>
-                <a:latin typeface="Calibri" panose="020F0502020204030204" pitchFamily="34" charset="0"/>
-                <a:cs typeface="Calibri" panose="020F0502020204030204" pitchFamily="34" charset="0"/>
-              </a:rPr>
-              <a:t>Example: “For privacy reasons, I can only provide insights based on your data. Would you like help understanding trends in your transactions instead?”</a:t>
-            </a:r>
-          </a:p>
-        </p:txBody>
-      </p:sp>
-    </p:spTree>
-    <p:extLst>
-      <p:ext uri="{BB962C8B-B14F-4D97-AF65-F5344CB8AC3E}">
-        <p14:creationId xmlns:p14="http://schemas.microsoft.com/office/powerpoint/2010/main" val="2820448934"/>
-      </p:ext>
-    </p:extLst>
-  </p:cSld>
-  <p:clrMapOvr>
-    <a:masterClrMapping/>
-  </p:clrMapOvr>
-</p:sld>
-</file>
-
-<file path=ppt/slides/slide11.xml><?xml version="1.0" encoding="utf-8"?>
 <p:sld xmlns:a="http://schemas.openxmlformats.org/drawingml/2006/main" xmlns:r="http://schemas.openxmlformats.org/officeDocument/2006/relationships" xmlns:p="http://schemas.openxmlformats.org/presentationml/2006/main">
   <p:cSld>
     <p:spTree>
@@ -4322,7 +4202,7 @@
 </p:sld>
 </file>
 
-<file path=ppt/slides/slide12.xml><?xml version="1.0" encoding="utf-8"?>
+<file path=ppt/slides/slide11.xml><?xml version="1.0" encoding="utf-8"?>
 <p:sld xmlns:a="http://schemas.openxmlformats.org/drawingml/2006/main" xmlns:r="http://schemas.openxmlformats.org/officeDocument/2006/relationships" xmlns:p="http://schemas.openxmlformats.org/presentationml/2006/main">
   <p:cSld>
     <p:spTree>
@@ -4984,7 +4864,7 @@
 </p:sld>
 </file>
 
-<file path=ppt/slides/slide13.xml><?xml version="1.0" encoding="utf-8"?>
+<file path=ppt/slides/slide12.xml><?xml version="1.0" encoding="utf-8"?>
 <p:sld xmlns:a="http://schemas.openxmlformats.org/drawingml/2006/main" xmlns:r="http://schemas.openxmlformats.org/officeDocument/2006/relationships" xmlns:p="http://schemas.openxmlformats.org/presentationml/2006/main">
   <p:cSld>
     <p:spTree>
@@ -5134,7 +5014,7 @@
 </p:sld>
 </file>
 
-<file path=ppt/slides/slide14.xml><?xml version="1.0" encoding="utf-8"?>
+<file path=ppt/slides/slide13.xml><?xml version="1.0" encoding="utf-8"?>
 <p:sld xmlns:a="http://schemas.openxmlformats.org/drawingml/2006/main" xmlns:r="http://schemas.openxmlformats.org/officeDocument/2006/relationships" xmlns:p="http://schemas.openxmlformats.org/presentationml/2006/main">
   <p:cSld>
     <p:spTree>
@@ -5281,7 +5161,7 @@
 </p:sld>
 </file>
 
-<file path=ppt/slides/slide15.xml><?xml version="1.0" encoding="utf-8"?>
+<file path=ppt/slides/slide14.xml><?xml version="1.0" encoding="utf-8"?>
 <p:sld xmlns:a="http://schemas.openxmlformats.org/drawingml/2006/main" xmlns:r="http://schemas.openxmlformats.org/officeDocument/2006/relationships" xmlns:p="http://schemas.openxmlformats.org/presentationml/2006/main">
   <p:cSld>
     <p:spTree>
@@ -5435,7 +5315,7 @@
 </p:sld>
 </file>
 
-<file path=ppt/slides/slide16.xml><?xml version="1.0" encoding="utf-8"?>
+<file path=ppt/slides/slide15.xml><?xml version="1.0" encoding="utf-8"?>
 <p:sld xmlns:a="http://schemas.openxmlformats.org/drawingml/2006/main" xmlns:r="http://schemas.openxmlformats.org/officeDocument/2006/relationships" xmlns:p="http://schemas.openxmlformats.org/presentationml/2006/main">
   <p:cSld>
     <p:spTree>
@@ -5750,7 +5630,7 @@
 </p:sld>
 </file>
 
-<file path=ppt/slides/slide17.xml><?xml version="1.0" encoding="utf-8"?>
+<file path=ppt/slides/slide16.xml><?xml version="1.0" encoding="utf-8"?>
 <p:sld xmlns:a="http://schemas.openxmlformats.org/drawingml/2006/main" xmlns:r="http://schemas.openxmlformats.org/officeDocument/2006/relationships" xmlns:p="http://schemas.openxmlformats.org/presentationml/2006/main">
   <p:cSld>
     <p:spTree>
@@ -5868,7 +5748,7 @@
 </p:sld>
 </file>
 
-<file path=ppt/slides/slide18.xml><?xml version="1.0" encoding="utf-8"?>
+<file path=ppt/slides/slide17.xml><?xml version="1.0" encoding="utf-8"?>
 <p:sld xmlns:a="http://schemas.openxmlformats.org/drawingml/2006/main" xmlns:r="http://schemas.openxmlformats.org/officeDocument/2006/relationships" xmlns:p="http://schemas.openxmlformats.org/presentationml/2006/main">
   <p:cSld>
     <p:spTree>
@@ -5986,7 +5866,7 @@
 </p:sld>
 </file>
 
-<file path=ppt/slides/slide19.xml><?xml version="1.0" encoding="utf-8"?>
+<file path=ppt/slides/slide18.xml><?xml version="1.0" encoding="utf-8"?>
 <p:sld xmlns:a="http://schemas.openxmlformats.org/drawingml/2006/main" xmlns:r="http://schemas.openxmlformats.org/officeDocument/2006/relationships" xmlns:p="http://schemas.openxmlformats.org/presentationml/2006/main">
   <p:cSld>
     <p:spTree>
@@ -6104,129 +5984,7 @@
 </p:sld>
 </file>
 
-<file path=ppt/slides/slide2.xml><?xml version="1.0" encoding="utf-8"?>
-<p:sld xmlns:a="http://schemas.openxmlformats.org/drawingml/2006/main" xmlns:r="http://schemas.openxmlformats.org/officeDocument/2006/relationships" xmlns:p="http://schemas.openxmlformats.org/presentationml/2006/main">
-  <p:cSld>
-    <p:spTree>
-      <p:nvGrpSpPr>
-        <p:cNvPr id="1" name=""/>
-        <p:cNvGrpSpPr/>
-        <p:nvPr/>
-      </p:nvGrpSpPr>
-      <p:grpSpPr>
-        <a:xfrm>
-          <a:off x="0" y="0"/>
-          <a:ext cx="0" cy="0"/>
-          <a:chOff x="0" y="0"/>
-          <a:chExt cx="0" cy="0"/>
-        </a:xfrm>
-      </p:grpSpPr>
-      <p:sp>
-        <p:nvSpPr>
-          <p:cNvPr id="2" name="Title 1">
-            <a:extLst>
-              <a:ext uri="{FF2B5EF4-FFF2-40B4-BE49-F238E27FC236}">
-                <a16:creationId xmlns:a16="http://schemas.microsoft.com/office/drawing/2014/main" id="{4B46E646-7500-CBFB-037A-9EB81193E760}"/>
-              </a:ext>
-            </a:extLst>
-          </p:cNvPr>
-          <p:cNvSpPr>
-            <a:spLocks noGrp="1"/>
-          </p:cNvSpPr>
-          <p:nvPr>
-            <p:ph type="title"/>
-          </p:nvPr>
-        </p:nvSpPr>
-        <p:spPr/>
-        <p:txBody>
-          <a:bodyPr/>
-          <a:lstStyle/>
-          <a:p>
-            <a:r>
-              <a:rPr lang="en-US" b="1" dirty="0"/>
-              <a:t>Table of content</a:t>
-            </a:r>
-          </a:p>
-        </p:txBody>
-      </p:sp>
-      <p:sp>
-        <p:nvSpPr>
-          <p:cNvPr id="3" name="Content Placeholder 2">
-            <a:extLst>
-              <a:ext uri="{FF2B5EF4-FFF2-40B4-BE49-F238E27FC236}">
-                <a16:creationId xmlns:a16="http://schemas.microsoft.com/office/drawing/2014/main" id="{3CF7D359-EB74-53EC-4131-DBBAA570D528}"/>
-              </a:ext>
-            </a:extLst>
-          </p:cNvPr>
-          <p:cNvSpPr>
-            <a:spLocks noGrp="1"/>
-          </p:cNvSpPr>
-          <p:nvPr>
-            <p:ph idx="1"/>
-          </p:nvPr>
-        </p:nvSpPr>
-        <p:spPr/>
-        <p:txBody>
-          <a:bodyPr/>
-          <a:lstStyle/>
-          <a:p>
-            <a:r>
-              <a:rPr lang="en-US" dirty="0"/>
-              <a:t>Understanding the Problem</a:t>
-            </a:r>
-          </a:p>
-          <a:p>
-            <a:r>
-              <a:rPr lang="en-US" dirty="0"/>
-              <a:t>Scope</a:t>
-            </a:r>
-          </a:p>
-          <a:p>
-            <a:r>
-              <a:rPr lang="en-US" dirty="0"/>
-              <a:t>Features</a:t>
-            </a:r>
-          </a:p>
-          <a:p>
-            <a:r>
-              <a:rPr lang="en-US" dirty="0"/>
-              <a:t>Architecture</a:t>
-            </a:r>
-          </a:p>
-          <a:p>
-            <a:r>
-              <a:rPr lang="en-US" dirty="0"/>
-              <a:t>Prompt Engineering</a:t>
-            </a:r>
-          </a:p>
-          <a:p>
-            <a:r>
-              <a:rPr lang="en-US" dirty="0"/>
-              <a:t>Demo</a:t>
-            </a:r>
-          </a:p>
-          <a:p>
-            <a:r>
-              <a:rPr lang="en-US" dirty="0"/>
-              <a:t>Evaluation</a:t>
-            </a:r>
-          </a:p>
-        </p:txBody>
-      </p:sp>
-    </p:spTree>
-    <p:extLst>
-      <p:ext uri="{BB962C8B-B14F-4D97-AF65-F5344CB8AC3E}">
-        <p14:creationId xmlns:p14="http://schemas.microsoft.com/office/powerpoint/2010/main" val="1668790669"/>
-      </p:ext>
-    </p:extLst>
-  </p:cSld>
-  <p:clrMapOvr>
-    <a:masterClrMapping/>
-  </p:clrMapOvr>
-</p:sld>
-</file>
-
-<file path=ppt/slides/slide20.xml><?xml version="1.0" encoding="utf-8"?>
+<file path=ppt/slides/slide19.xml><?xml version="1.0" encoding="utf-8"?>
 <p:sld xmlns:a="http://schemas.openxmlformats.org/drawingml/2006/main" xmlns:r="http://schemas.openxmlformats.org/officeDocument/2006/relationships" xmlns:p="http://schemas.openxmlformats.org/presentationml/2006/main">
   <p:cSld>
     <p:spTree>
@@ -6344,7 +6102,129 @@
 </p:sld>
 </file>
 
-<file path=ppt/slides/slide21.xml><?xml version="1.0" encoding="utf-8"?>
+<file path=ppt/slides/slide2.xml><?xml version="1.0" encoding="utf-8"?>
+<p:sld xmlns:a="http://schemas.openxmlformats.org/drawingml/2006/main" xmlns:r="http://schemas.openxmlformats.org/officeDocument/2006/relationships" xmlns:p="http://schemas.openxmlformats.org/presentationml/2006/main">
+  <p:cSld>
+    <p:spTree>
+      <p:nvGrpSpPr>
+        <p:cNvPr id="1" name=""/>
+        <p:cNvGrpSpPr/>
+        <p:nvPr/>
+      </p:nvGrpSpPr>
+      <p:grpSpPr>
+        <a:xfrm>
+          <a:off x="0" y="0"/>
+          <a:ext cx="0" cy="0"/>
+          <a:chOff x="0" y="0"/>
+          <a:chExt cx="0" cy="0"/>
+        </a:xfrm>
+      </p:grpSpPr>
+      <p:sp>
+        <p:nvSpPr>
+          <p:cNvPr id="2" name="Title 1">
+            <a:extLst>
+              <a:ext uri="{FF2B5EF4-FFF2-40B4-BE49-F238E27FC236}">
+                <a16:creationId xmlns:a16="http://schemas.microsoft.com/office/drawing/2014/main" id="{4B46E646-7500-CBFB-037A-9EB81193E760}"/>
+              </a:ext>
+            </a:extLst>
+          </p:cNvPr>
+          <p:cNvSpPr>
+            <a:spLocks noGrp="1"/>
+          </p:cNvSpPr>
+          <p:nvPr>
+            <p:ph type="title"/>
+          </p:nvPr>
+        </p:nvSpPr>
+        <p:spPr/>
+        <p:txBody>
+          <a:bodyPr/>
+          <a:lstStyle/>
+          <a:p>
+            <a:r>
+              <a:rPr lang="en-US" b="1" dirty="0"/>
+              <a:t>Table of content</a:t>
+            </a:r>
+          </a:p>
+        </p:txBody>
+      </p:sp>
+      <p:sp>
+        <p:nvSpPr>
+          <p:cNvPr id="3" name="Content Placeholder 2">
+            <a:extLst>
+              <a:ext uri="{FF2B5EF4-FFF2-40B4-BE49-F238E27FC236}">
+                <a16:creationId xmlns:a16="http://schemas.microsoft.com/office/drawing/2014/main" id="{3CF7D359-EB74-53EC-4131-DBBAA570D528}"/>
+              </a:ext>
+            </a:extLst>
+          </p:cNvPr>
+          <p:cNvSpPr>
+            <a:spLocks noGrp="1"/>
+          </p:cNvSpPr>
+          <p:nvPr>
+            <p:ph idx="1"/>
+          </p:nvPr>
+        </p:nvSpPr>
+        <p:spPr/>
+        <p:txBody>
+          <a:bodyPr/>
+          <a:lstStyle/>
+          <a:p>
+            <a:r>
+              <a:rPr lang="en-US" dirty="0"/>
+              <a:t>Understanding the Problem</a:t>
+            </a:r>
+          </a:p>
+          <a:p>
+            <a:r>
+              <a:rPr lang="en-US" dirty="0"/>
+              <a:t>Scope</a:t>
+            </a:r>
+          </a:p>
+          <a:p>
+            <a:r>
+              <a:rPr lang="en-US" dirty="0"/>
+              <a:t>Features</a:t>
+            </a:r>
+          </a:p>
+          <a:p>
+            <a:r>
+              <a:rPr lang="en-US" dirty="0"/>
+              <a:t>Architecture</a:t>
+            </a:r>
+          </a:p>
+          <a:p>
+            <a:r>
+              <a:rPr lang="en-US" dirty="0"/>
+              <a:t>Prompt Engineering</a:t>
+            </a:r>
+          </a:p>
+          <a:p>
+            <a:r>
+              <a:rPr lang="en-US" dirty="0"/>
+              <a:t>Demo</a:t>
+            </a:r>
+          </a:p>
+          <a:p>
+            <a:r>
+              <a:rPr lang="en-US" dirty="0"/>
+              <a:t>Evaluation</a:t>
+            </a:r>
+          </a:p>
+        </p:txBody>
+      </p:sp>
+    </p:spTree>
+    <p:extLst>
+      <p:ext uri="{BB962C8B-B14F-4D97-AF65-F5344CB8AC3E}">
+        <p14:creationId xmlns:p14="http://schemas.microsoft.com/office/powerpoint/2010/main" val="1668790669"/>
+      </p:ext>
+    </p:extLst>
+  </p:cSld>
+  <p:clrMapOvr>
+    <a:masterClrMapping/>
+  </p:clrMapOvr>
+</p:sld>
+</file>
+
+<file path=ppt/slides/slide20.xml><?xml version="1.0" encoding="utf-8"?>
 <p:sld xmlns:a="http://schemas.openxmlformats.org/drawingml/2006/main" xmlns:r="http://schemas.openxmlformats.org/officeDocument/2006/relationships" xmlns:p="http://schemas.openxmlformats.org/presentationml/2006/main">
   <p:cSld>
     <p:spTree>
@@ -6462,7 +6342,7 @@
 </p:sld>
 </file>
 
-<file path=ppt/slides/slide22.xml><?xml version="1.0" encoding="utf-8"?>
+<file path=ppt/slides/slide21.xml><?xml version="1.0" encoding="utf-8"?>
 <p:sld xmlns:a="http://schemas.openxmlformats.org/drawingml/2006/main" xmlns:r="http://schemas.openxmlformats.org/officeDocument/2006/relationships" xmlns:p="http://schemas.openxmlformats.org/presentationml/2006/main">
   <p:cSld>
     <p:spTree>
@@ -6580,7 +6460,7 @@
 </p:sld>
 </file>
 
-<file path=ppt/slides/slide23.xml><?xml version="1.0" encoding="utf-8"?>
+<file path=ppt/slides/slide22.xml><?xml version="1.0" encoding="utf-8"?>
 <p:sld xmlns:a="http://schemas.openxmlformats.org/drawingml/2006/main" xmlns:r="http://schemas.openxmlformats.org/officeDocument/2006/relationships" xmlns:p="http://schemas.openxmlformats.org/presentationml/2006/main">
   <p:cSld>
     <p:spTree>
@@ -6698,7 +6578,7 @@
 </p:sld>
 </file>
 
-<file path=ppt/slides/slide24.xml><?xml version="1.0" encoding="utf-8"?>
+<file path=ppt/slides/slide23.xml><?xml version="1.0" encoding="utf-8"?>
 <p:sld xmlns:a="http://schemas.openxmlformats.org/drawingml/2006/main" xmlns:r="http://schemas.openxmlformats.org/officeDocument/2006/relationships" xmlns:p="http://schemas.openxmlformats.org/presentationml/2006/main">
   <p:cSld>
     <p:spTree>
@@ -6786,7 +6666,7 @@
 </p:sld>
 </file>
 
-<file path=ppt/slides/slide25.xml><?xml version="1.0" encoding="utf-8"?>
+<file path=ppt/slides/slide24.xml><?xml version="1.0" encoding="utf-8"?>
 <p:sld xmlns:a="http://schemas.openxmlformats.org/drawingml/2006/main" xmlns:r="http://schemas.openxmlformats.org/officeDocument/2006/relationships" xmlns:p="http://schemas.openxmlformats.org/presentationml/2006/main">
   <p:cSld>
     <p:spTree>

--- a/Explanation.pptx
+++ b/Explanation.pptx
@@ -15,20 +15,19 @@
     <p:sldId id="263" r:id="rId9"/>
     <p:sldId id="264" r:id="rId10"/>
     <p:sldId id="266" r:id="rId11"/>
-    <p:sldId id="267" r:id="rId12"/>
-    <p:sldId id="268" r:id="rId13"/>
-    <p:sldId id="269" r:id="rId14"/>
-    <p:sldId id="270" r:id="rId15"/>
-    <p:sldId id="271" r:id="rId16"/>
-    <p:sldId id="273" r:id="rId17"/>
-    <p:sldId id="274" r:id="rId18"/>
-    <p:sldId id="275" r:id="rId19"/>
-    <p:sldId id="276" r:id="rId20"/>
-    <p:sldId id="277" r:id="rId21"/>
-    <p:sldId id="278" r:id="rId22"/>
-    <p:sldId id="279" r:id="rId23"/>
-    <p:sldId id="280" r:id="rId24"/>
-    <p:sldId id="272" r:id="rId25"/>
+    <p:sldId id="268" r:id="rId12"/>
+    <p:sldId id="269" r:id="rId13"/>
+    <p:sldId id="270" r:id="rId14"/>
+    <p:sldId id="271" r:id="rId15"/>
+    <p:sldId id="273" r:id="rId16"/>
+    <p:sldId id="274" r:id="rId17"/>
+    <p:sldId id="275" r:id="rId18"/>
+    <p:sldId id="276" r:id="rId19"/>
+    <p:sldId id="277" r:id="rId20"/>
+    <p:sldId id="278" r:id="rId21"/>
+    <p:sldId id="279" r:id="rId22"/>
+    <p:sldId id="280" r:id="rId23"/>
+    <p:sldId id="272" r:id="rId24"/>
   </p:sldIdLst>
   <p:sldSz cx="12192000" cy="6858000"/>
   <p:notesSz cx="6858000" cy="9144000"/>
@@ -4242,668 +4241,6 @@
           <a:p>
             <a:r>
               <a:rPr lang="en-US" b="1" dirty="0"/>
-              <a:t>Architecture</a:t>
-            </a:r>
-          </a:p>
-        </p:txBody>
-      </p:sp>
-      <p:grpSp>
-        <p:nvGrpSpPr>
-          <p:cNvPr id="25" name="Group 24">
-            <a:extLst>
-              <a:ext uri="{FF2B5EF4-FFF2-40B4-BE49-F238E27FC236}">
-                <a16:creationId xmlns:a16="http://schemas.microsoft.com/office/drawing/2014/main" id="{B33C88A8-48F8-69F9-7CAC-DA631609911A}"/>
-              </a:ext>
-            </a:extLst>
-          </p:cNvPr>
-          <p:cNvGrpSpPr/>
-          <p:nvPr/>
-        </p:nvGrpSpPr>
-        <p:grpSpPr>
-          <a:xfrm>
-            <a:off x="316398" y="1920662"/>
-            <a:ext cx="5544377" cy="3064220"/>
-            <a:chOff x="838200" y="2956891"/>
-            <a:chExt cx="5544377" cy="3064220"/>
-          </a:xfrm>
-        </p:grpSpPr>
-        <p:sp>
-          <p:nvSpPr>
-            <p:cNvPr id="4" name="Rounded Rectangle 3">
-              <a:extLst>
-                <a:ext uri="{FF2B5EF4-FFF2-40B4-BE49-F238E27FC236}">
-                  <a16:creationId xmlns:a16="http://schemas.microsoft.com/office/drawing/2014/main" id="{12E7222C-AADF-F733-E6D7-19423C5D7FFD}"/>
-                </a:ext>
-              </a:extLst>
-            </p:cNvPr>
-            <p:cNvSpPr/>
-            <p:nvPr/>
-          </p:nvSpPr>
-          <p:spPr>
-            <a:xfrm>
-              <a:off x="838200" y="2956891"/>
-              <a:ext cx="1878495" cy="944217"/>
-            </a:xfrm>
-            <a:prstGeom prst="roundRect">
-              <a:avLst/>
-            </a:prstGeom>
-          </p:spPr>
-          <p:style>
-            <a:lnRef idx="2">
-              <a:schemeClr val="accent1">
-                <a:shade val="15000"/>
-              </a:schemeClr>
-            </a:lnRef>
-            <a:fillRef idx="1">
-              <a:schemeClr val="accent1"/>
-            </a:fillRef>
-            <a:effectRef idx="0">
-              <a:schemeClr val="accent1"/>
-            </a:effectRef>
-            <a:fontRef idx="minor">
-              <a:schemeClr val="lt1"/>
-            </a:fontRef>
-          </p:style>
-          <p:txBody>
-            <a:bodyPr rtlCol="0" anchor="ctr"/>
-            <a:lstStyle/>
-            <a:p>
-              <a:pPr algn="ctr"/>
-              <a:r>
-                <a:rPr lang="en-US" dirty="0"/>
-                <a:t>Cohere Chat LLM Agent</a:t>
-              </a:r>
-            </a:p>
-          </p:txBody>
-        </p:sp>
-        <p:sp>
-          <p:nvSpPr>
-            <p:cNvPr id="5" name="Rounded Rectangle 4">
-              <a:extLst>
-                <a:ext uri="{FF2B5EF4-FFF2-40B4-BE49-F238E27FC236}">
-                  <a16:creationId xmlns:a16="http://schemas.microsoft.com/office/drawing/2014/main" id="{CCEE857B-B643-C74F-6AB6-857B1809797A}"/>
-                </a:ext>
-              </a:extLst>
-            </p:cNvPr>
-            <p:cNvSpPr/>
-            <p:nvPr/>
-          </p:nvSpPr>
-          <p:spPr>
-            <a:xfrm>
-              <a:off x="2047461" y="4227305"/>
-              <a:ext cx="1729409" cy="805069"/>
-            </a:xfrm>
-            <a:prstGeom prst="roundRect">
-              <a:avLst/>
-            </a:prstGeom>
-          </p:spPr>
-          <p:style>
-            <a:lnRef idx="2">
-              <a:schemeClr val="accent1">
-                <a:shade val="15000"/>
-              </a:schemeClr>
-            </a:lnRef>
-            <a:fillRef idx="1">
-              <a:schemeClr val="accent1"/>
-            </a:fillRef>
-            <a:effectRef idx="0">
-              <a:schemeClr val="accent1"/>
-            </a:effectRef>
-            <a:fontRef idx="minor">
-              <a:schemeClr val="lt1"/>
-            </a:fontRef>
-          </p:style>
-          <p:txBody>
-            <a:bodyPr rtlCol="0" anchor="ctr"/>
-            <a:lstStyle/>
-            <a:p>
-              <a:pPr algn="ctr"/>
-              <a:r>
-                <a:rPr lang="en-US" dirty="0"/>
-                <a:t>Web Search Assistant Tool</a:t>
-              </a:r>
-            </a:p>
-          </p:txBody>
-        </p:sp>
-        <p:cxnSp>
-          <p:nvCxnSpPr>
-            <p:cNvPr id="7" name="Curved Connector 6">
-              <a:extLst>
-                <a:ext uri="{FF2B5EF4-FFF2-40B4-BE49-F238E27FC236}">
-                  <a16:creationId xmlns:a16="http://schemas.microsoft.com/office/drawing/2014/main" id="{92E6B3C4-51C9-9DAA-531D-672151183C73}"/>
-                </a:ext>
-              </a:extLst>
-            </p:cNvPr>
-            <p:cNvCxnSpPr>
-              <a:cxnSpLocks/>
-              <a:stCxn id="4" idx="2"/>
-              <a:endCxn id="5" idx="1"/>
-            </p:cNvCxnSpPr>
-            <p:nvPr/>
-          </p:nvCxnSpPr>
-          <p:spPr>
-            <a:xfrm rot="16200000" flipH="1">
-              <a:off x="1548088" y="4130467"/>
-              <a:ext cx="728732" cy="270013"/>
-            </a:xfrm>
-            <a:prstGeom prst="curvedConnector2">
-              <a:avLst/>
-            </a:prstGeom>
-            <a:ln>
-              <a:tailEnd type="triangle"/>
-            </a:ln>
-          </p:spPr>
-          <p:style>
-            <a:lnRef idx="1">
-              <a:schemeClr val="accent1"/>
-            </a:lnRef>
-            <a:fillRef idx="0">
-              <a:schemeClr val="accent1"/>
-            </a:fillRef>
-            <a:effectRef idx="0">
-              <a:schemeClr val="accent1"/>
-            </a:effectRef>
-            <a:fontRef idx="minor">
-              <a:schemeClr val="tx1"/>
-            </a:fontRef>
-          </p:style>
-        </p:cxnSp>
-        <p:sp>
-          <p:nvSpPr>
-            <p:cNvPr id="13" name="Rounded Rectangle 12">
-              <a:extLst>
-                <a:ext uri="{FF2B5EF4-FFF2-40B4-BE49-F238E27FC236}">
-                  <a16:creationId xmlns:a16="http://schemas.microsoft.com/office/drawing/2014/main" id="{035B38BF-D3D3-B11D-BCC6-F9331E8710B8}"/>
-                </a:ext>
-              </a:extLst>
-            </p:cNvPr>
-            <p:cNvSpPr/>
-            <p:nvPr/>
-          </p:nvSpPr>
-          <p:spPr>
-            <a:xfrm>
-              <a:off x="2047460" y="5216042"/>
-              <a:ext cx="1729409" cy="805069"/>
-            </a:xfrm>
-            <a:prstGeom prst="roundRect">
-              <a:avLst/>
-            </a:prstGeom>
-          </p:spPr>
-          <p:style>
-            <a:lnRef idx="2">
-              <a:schemeClr val="accent1">
-                <a:shade val="15000"/>
-              </a:schemeClr>
-            </a:lnRef>
-            <a:fillRef idx="1">
-              <a:schemeClr val="accent1"/>
-            </a:fillRef>
-            <a:effectRef idx="0">
-              <a:schemeClr val="accent1"/>
-            </a:effectRef>
-            <a:fontRef idx="minor">
-              <a:schemeClr val="lt1"/>
-            </a:fontRef>
-          </p:style>
-          <p:txBody>
-            <a:bodyPr rtlCol="0" anchor="ctr"/>
-            <a:lstStyle/>
-            <a:p>
-              <a:pPr algn="ctr"/>
-              <a:r>
-                <a:rPr lang="en-US" dirty="0"/>
-                <a:t>Get Available Fields Tool</a:t>
-              </a:r>
-            </a:p>
-          </p:txBody>
-        </p:sp>
-        <p:sp>
-          <p:nvSpPr>
-            <p:cNvPr id="14" name="Rounded Rectangle 13">
-              <a:extLst>
-                <a:ext uri="{FF2B5EF4-FFF2-40B4-BE49-F238E27FC236}">
-                  <a16:creationId xmlns:a16="http://schemas.microsoft.com/office/drawing/2014/main" id="{694FF0D0-54F7-664B-6333-A8DE8CDDDC71}"/>
-                </a:ext>
-              </a:extLst>
-            </p:cNvPr>
-            <p:cNvSpPr/>
-            <p:nvPr/>
-          </p:nvSpPr>
-          <p:spPr>
-            <a:xfrm>
-              <a:off x="4653168" y="4227304"/>
-              <a:ext cx="1729409" cy="805069"/>
-            </a:xfrm>
-            <a:prstGeom prst="roundRect">
-              <a:avLst/>
-            </a:prstGeom>
-          </p:spPr>
-          <p:style>
-            <a:lnRef idx="2">
-              <a:schemeClr val="accent1">
-                <a:shade val="15000"/>
-              </a:schemeClr>
-            </a:lnRef>
-            <a:fillRef idx="1">
-              <a:schemeClr val="accent1"/>
-            </a:fillRef>
-            <a:effectRef idx="0">
-              <a:schemeClr val="accent1"/>
-            </a:effectRef>
-            <a:fontRef idx="minor">
-              <a:schemeClr val="lt1"/>
-            </a:fontRef>
-          </p:style>
-          <p:txBody>
-            <a:bodyPr rtlCol="0" anchor="ctr"/>
-            <a:lstStyle/>
-            <a:p>
-              <a:pPr algn="ctr"/>
-              <a:r>
-                <a:rPr lang="en-US" dirty="0"/>
-                <a:t>Search Table for Query Tool</a:t>
-              </a:r>
-            </a:p>
-          </p:txBody>
-        </p:sp>
-        <p:sp>
-          <p:nvSpPr>
-            <p:cNvPr id="15" name="Rounded Rectangle 14">
-              <a:extLst>
-                <a:ext uri="{FF2B5EF4-FFF2-40B4-BE49-F238E27FC236}">
-                  <a16:creationId xmlns:a16="http://schemas.microsoft.com/office/drawing/2014/main" id="{9B840021-BE13-EE1B-AC81-FE02BC650A6C}"/>
-                </a:ext>
-              </a:extLst>
-            </p:cNvPr>
-            <p:cNvSpPr/>
-            <p:nvPr/>
-          </p:nvSpPr>
-          <p:spPr>
-            <a:xfrm>
-              <a:off x="4653168" y="5216042"/>
-              <a:ext cx="1729409" cy="805069"/>
-            </a:xfrm>
-            <a:prstGeom prst="roundRect">
-              <a:avLst/>
-            </a:prstGeom>
-          </p:spPr>
-          <p:style>
-            <a:lnRef idx="2">
-              <a:schemeClr val="accent1">
-                <a:shade val="15000"/>
-              </a:schemeClr>
-            </a:lnRef>
-            <a:fillRef idx="1">
-              <a:schemeClr val="accent1"/>
-            </a:fillRef>
-            <a:effectRef idx="0">
-              <a:schemeClr val="accent1"/>
-            </a:effectRef>
-            <a:fontRef idx="minor">
-              <a:schemeClr val="lt1"/>
-            </a:fontRef>
-          </p:style>
-          <p:txBody>
-            <a:bodyPr rtlCol="0" anchor="ctr"/>
-            <a:lstStyle/>
-            <a:p>
-              <a:pPr algn="ctr"/>
-              <a:r>
-                <a:rPr lang="en-US" dirty="0"/>
-                <a:t>SQL Query Generator and Executor Tool</a:t>
-              </a:r>
-            </a:p>
-          </p:txBody>
-        </p:sp>
-        <p:cxnSp>
-          <p:nvCxnSpPr>
-            <p:cNvPr id="17" name="Curved Connector 16">
-              <a:extLst>
-                <a:ext uri="{FF2B5EF4-FFF2-40B4-BE49-F238E27FC236}">
-                  <a16:creationId xmlns:a16="http://schemas.microsoft.com/office/drawing/2014/main" id="{2155C56E-9513-5DEA-1E4B-6A93D765E563}"/>
-                </a:ext>
-              </a:extLst>
-            </p:cNvPr>
-            <p:cNvCxnSpPr>
-              <a:stCxn id="4" idx="2"/>
-              <a:endCxn id="13" idx="1"/>
-            </p:cNvCxnSpPr>
-            <p:nvPr/>
-          </p:nvCxnSpPr>
-          <p:spPr>
-            <a:xfrm rot="16200000" flipH="1">
-              <a:off x="1053720" y="4624836"/>
-              <a:ext cx="1717469" cy="270012"/>
-            </a:xfrm>
-            <a:prstGeom prst="curvedConnector2">
-              <a:avLst/>
-            </a:prstGeom>
-            <a:ln>
-              <a:tailEnd type="triangle"/>
-            </a:ln>
-          </p:spPr>
-          <p:style>
-            <a:lnRef idx="1">
-              <a:schemeClr val="accent1"/>
-            </a:lnRef>
-            <a:fillRef idx="0">
-              <a:schemeClr val="accent1"/>
-            </a:fillRef>
-            <a:effectRef idx="0">
-              <a:schemeClr val="accent1"/>
-            </a:effectRef>
-            <a:fontRef idx="minor">
-              <a:schemeClr val="tx1"/>
-            </a:fontRef>
-          </p:style>
-        </p:cxnSp>
-        <p:cxnSp>
-          <p:nvCxnSpPr>
-            <p:cNvPr id="19" name="Curved Connector 18">
-              <a:extLst>
-                <a:ext uri="{FF2B5EF4-FFF2-40B4-BE49-F238E27FC236}">
-                  <a16:creationId xmlns:a16="http://schemas.microsoft.com/office/drawing/2014/main" id="{638884AA-5639-1931-E4D9-ACDEDC50F57E}"/>
-                </a:ext>
-              </a:extLst>
-            </p:cNvPr>
-            <p:cNvCxnSpPr>
-              <a:stCxn id="4" idx="3"/>
-              <a:endCxn id="14" idx="1"/>
-            </p:cNvCxnSpPr>
-            <p:nvPr/>
-          </p:nvCxnSpPr>
-          <p:spPr>
-            <a:xfrm>
-              <a:off x="2716695" y="3429000"/>
-              <a:ext cx="1936473" cy="1200839"/>
-            </a:xfrm>
-            <a:prstGeom prst="curvedConnector3">
-              <a:avLst>
-                <a:gd name="adj1" fmla="val 71557"/>
-              </a:avLst>
-            </a:prstGeom>
-            <a:ln>
-              <a:tailEnd type="triangle"/>
-            </a:ln>
-          </p:spPr>
-          <p:style>
-            <a:lnRef idx="1">
-              <a:schemeClr val="accent1"/>
-            </a:lnRef>
-            <a:fillRef idx="0">
-              <a:schemeClr val="accent1"/>
-            </a:fillRef>
-            <a:effectRef idx="0">
-              <a:schemeClr val="accent1"/>
-            </a:effectRef>
-            <a:fontRef idx="minor">
-              <a:schemeClr val="tx1"/>
-            </a:fontRef>
-          </p:style>
-        </p:cxnSp>
-        <p:cxnSp>
-          <p:nvCxnSpPr>
-            <p:cNvPr id="22" name="Curved Connector 21">
-              <a:extLst>
-                <a:ext uri="{FF2B5EF4-FFF2-40B4-BE49-F238E27FC236}">
-                  <a16:creationId xmlns:a16="http://schemas.microsoft.com/office/drawing/2014/main" id="{DD586143-20BC-BC75-82B9-AC8F9E439419}"/>
-                </a:ext>
-              </a:extLst>
-            </p:cNvPr>
-            <p:cNvCxnSpPr>
-              <a:stCxn id="4" idx="3"/>
-              <a:endCxn id="15" idx="1"/>
-            </p:cNvCxnSpPr>
-            <p:nvPr/>
-          </p:nvCxnSpPr>
-          <p:spPr>
-            <a:xfrm>
-              <a:off x="2716695" y="3429000"/>
-              <a:ext cx="1936473" cy="2189577"/>
-            </a:xfrm>
-            <a:prstGeom prst="curvedConnector3">
-              <a:avLst>
-                <a:gd name="adj1" fmla="val 66424"/>
-              </a:avLst>
-            </a:prstGeom>
-            <a:ln>
-              <a:tailEnd type="triangle"/>
-            </a:ln>
-          </p:spPr>
-          <p:style>
-            <a:lnRef idx="1">
-              <a:schemeClr val="accent1"/>
-            </a:lnRef>
-            <a:fillRef idx="0">
-              <a:schemeClr val="accent1"/>
-            </a:fillRef>
-            <a:effectRef idx="0">
-              <a:schemeClr val="accent1"/>
-            </a:effectRef>
-            <a:fontRef idx="minor">
-              <a:schemeClr val="tx1"/>
-            </a:fontRef>
-          </p:style>
-        </p:cxnSp>
-      </p:grpSp>
-      <p:sp>
-        <p:nvSpPr>
-          <p:cNvPr id="24" name="TextBox 23">
-            <a:extLst>
-              <a:ext uri="{FF2B5EF4-FFF2-40B4-BE49-F238E27FC236}">
-                <a16:creationId xmlns:a16="http://schemas.microsoft.com/office/drawing/2014/main" id="{42056481-7124-C99E-85BB-24C401075024}"/>
-              </a:ext>
-            </a:extLst>
-          </p:cNvPr>
-          <p:cNvSpPr txBox="1"/>
-          <p:nvPr/>
-        </p:nvSpPr>
-        <p:spPr>
-          <a:xfrm>
-            <a:off x="6331226" y="1467613"/>
-            <a:ext cx="5506278" cy="3970318"/>
-          </a:xfrm>
-          <a:prstGeom prst="rect">
-            <a:avLst/>
-          </a:prstGeom>
-          <a:noFill/>
-        </p:spPr>
-        <p:txBody>
-          <a:bodyPr wrap="square" rtlCol="0">
-            <a:spAutoFit/>
-          </a:bodyPr>
-          <a:lstStyle/>
-          <a:p>
-            <a:r>
-              <a:rPr lang="en-MY" b="1" dirty="0">
-                <a:latin typeface="Calibri" panose="020F0502020204030204" pitchFamily="34" charset="0"/>
-                <a:cs typeface="Calibri" panose="020F0502020204030204" pitchFamily="34" charset="0"/>
-              </a:rPr>
-              <a:t>Why there are 4 tools?</a:t>
-            </a:r>
-          </a:p>
-          <a:p>
-            <a:pPr marL="285750" indent="-285750">
-              <a:buFont typeface="Arial" panose="020B0604020202020204" pitchFamily="34" charset="0"/>
-              <a:buChar char="•"/>
-            </a:pPr>
-            <a:r>
-              <a:rPr lang="en-MY" b="1" dirty="0">
-                <a:latin typeface="Calibri" panose="020F0502020204030204" pitchFamily="34" charset="0"/>
-                <a:cs typeface="Calibri" panose="020F0502020204030204" pitchFamily="34" charset="0"/>
-              </a:rPr>
-              <a:t>Web Search Assistant Tool</a:t>
-            </a:r>
-            <a:r>
-              <a:rPr lang="en-MY" dirty="0">
-                <a:latin typeface="Calibri" panose="020F0502020204030204" pitchFamily="34" charset="0"/>
-                <a:cs typeface="Calibri" panose="020F0502020204030204" pitchFamily="34" charset="0"/>
-              </a:rPr>
-              <a:t> is used for handling edge cases and unknown user queries which can be searched through the internet.</a:t>
-            </a:r>
-          </a:p>
-          <a:p>
-            <a:pPr marL="285750" indent="-285750">
-              <a:buFont typeface="Arial" panose="020B0604020202020204" pitchFamily="34" charset="0"/>
-              <a:buChar char="•"/>
-            </a:pPr>
-            <a:r>
-              <a:rPr lang="en-MY" b="1" dirty="0">
-                <a:effectLst/>
-                <a:latin typeface="Calibri" panose="020F0502020204030204" pitchFamily="34" charset="0"/>
-                <a:cs typeface="Calibri" panose="020F0502020204030204" pitchFamily="34" charset="0"/>
-              </a:rPr>
-              <a:t>Get Available Fields Tools</a:t>
-            </a:r>
-            <a:r>
-              <a:rPr lang="en-MY" dirty="0">
-                <a:effectLst/>
-                <a:latin typeface="Calibri" panose="020F0502020204030204" pitchFamily="34" charset="0"/>
-                <a:cs typeface="Calibri" panose="020F0502020204030204" pitchFamily="34" charset="0"/>
-              </a:rPr>
-              <a:t> is used to get possible values from each columns in a table.</a:t>
-            </a:r>
-            <a:r>
-              <a:rPr lang="en-MY" dirty="0">
-                <a:latin typeface="Calibri" panose="020F0502020204030204" pitchFamily="34" charset="0"/>
-                <a:cs typeface="Calibri" panose="020F0502020204030204" pitchFamily="34" charset="0"/>
-              </a:rPr>
-              <a:t> It is useful when the user doesn’t filter with the exact keyword.</a:t>
-            </a:r>
-            <a:endParaRPr lang="en-MY" dirty="0">
-              <a:effectLst/>
-              <a:latin typeface="Calibri" panose="020F0502020204030204" pitchFamily="34" charset="0"/>
-              <a:cs typeface="Calibri" panose="020F0502020204030204" pitchFamily="34" charset="0"/>
-            </a:endParaRPr>
-          </a:p>
-          <a:p>
-            <a:pPr marL="285750" indent="-285750">
-              <a:buFont typeface="Arial" panose="020B0604020202020204" pitchFamily="34" charset="0"/>
-              <a:buChar char="•"/>
-            </a:pPr>
-            <a:r>
-              <a:rPr lang="en-MY" b="1" dirty="0">
-                <a:latin typeface="Calibri" panose="020F0502020204030204" pitchFamily="34" charset="0"/>
-                <a:cs typeface="Calibri" panose="020F0502020204030204" pitchFamily="34" charset="0"/>
-              </a:rPr>
-              <a:t>Search Table for Query Tool</a:t>
-            </a:r>
-            <a:r>
-              <a:rPr lang="en-MY" dirty="0">
-                <a:latin typeface="Calibri" panose="020F0502020204030204" pitchFamily="34" charset="0"/>
-                <a:cs typeface="Calibri" panose="020F0502020204030204" pitchFamily="34" charset="0"/>
-              </a:rPr>
-              <a:t> is used to get relevant table based on the user query. It is the entry point for SQL query generator and executor tool which requires table name.</a:t>
-            </a:r>
-          </a:p>
-          <a:p>
-            <a:pPr marL="285750" indent="-285750">
-              <a:buFont typeface="Arial" panose="020B0604020202020204" pitchFamily="34" charset="0"/>
-              <a:buChar char="•"/>
-            </a:pPr>
-            <a:r>
-              <a:rPr lang="en-MY" b="1" dirty="0">
-                <a:latin typeface="Calibri" panose="020F0502020204030204" pitchFamily="34" charset="0"/>
-                <a:cs typeface="Calibri" panose="020F0502020204030204" pitchFamily="34" charset="0"/>
-              </a:rPr>
-              <a:t>SQL Query Generator and Executor Tool</a:t>
-            </a:r>
-            <a:r>
-              <a:rPr lang="en-MY" dirty="0">
-                <a:latin typeface="Calibri" panose="020F0502020204030204" pitchFamily="34" charset="0"/>
-                <a:cs typeface="Calibri" panose="020F0502020204030204" pitchFamily="34" charset="0"/>
-              </a:rPr>
-              <a:t> is used to generate </a:t>
-            </a:r>
-            <a:r>
-              <a:rPr lang="en-MY" dirty="0" err="1">
-                <a:latin typeface="Calibri" panose="020F0502020204030204" pitchFamily="34" charset="0"/>
-                <a:cs typeface="Calibri" panose="020F0502020204030204" pitchFamily="34" charset="0"/>
-              </a:rPr>
-              <a:t>sql</a:t>
-            </a:r>
-            <a:r>
-              <a:rPr lang="en-MY" dirty="0">
-                <a:latin typeface="Calibri" panose="020F0502020204030204" pitchFamily="34" charset="0"/>
-                <a:cs typeface="Calibri" panose="020F0502020204030204" pitchFamily="34" charset="0"/>
-              </a:rPr>
-              <a:t> query and execute </a:t>
-            </a:r>
-            <a:r>
-              <a:rPr lang="en-MY" dirty="0" err="1">
-                <a:latin typeface="Calibri" panose="020F0502020204030204" pitchFamily="34" charset="0"/>
-                <a:cs typeface="Calibri" panose="020F0502020204030204" pitchFamily="34" charset="0"/>
-              </a:rPr>
-              <a:t>sql</a:t>
-            </a:r>
-            <a:r>
-              <a:rPr lang="en-MY" dirty="0">
-                <a:latin typeface="Calibri" panose="020F0502020204030204" pitchFamily="34" charset="0"/>
-                <a:cs typeface="Calibri" panose="020F0502020204030204" pitchFamily="34" charset="0"/>
-              </a:rPr>
-              <a:t> query to retrieve data related to the user query.</a:t>
-            </a:r>
-            <a:endParaRPr lang="en-MY" b="1" dirty="0">
-              <a:effectLst/>
-              <a:latin typeface="Calibri" panose="020F0502020204030204" pitchFamily="34" charset="0"/>
-              <a:cs typeface="Calibri" panose="020F0502020204030204" pitchFamily="34" charset="0"/>
-            </a:endParaRPr>
-          </a:p>
-        </p:txBody>
-      </p:sp>
-    </p:spTree>
-    <p:extLst>
-      <p:ext uri="{BB962C8B-B14F-4D97-AF65-F5344CB8AC3E}">
-        <p14:creationId xmlns:p14="http://schemas.microsoft.com/office/powerpoint/2010/main" val="1656855330"/>
-      </p:ext>
-    </p:extLst>
-  </p:cSld>
-  <p:clrMapOvr>
-    <a:masterClrMapping/>
-  </p:clrMapOvr>
-</p:sld>
-</file>
-
-<file path=ppt/slides/slide12.xml><?xml version="1.0" encoding="utf-8"?>
-<p:sld xmlns:a="http://schemas.openxmlformats.org/drawingml/2006/main" xmlns:r="http://schemas.openxmlformats.org/officeDocument/2006/relationships" xmlns:p="http://schemas.openxmlformats.org/presentationml/2006/main">
-  <p:cSld>
-    <p:spTree>
-      <p:nvGrpSpPr>
-        <p:cNvPr id="1" name=""/>
-        <p:cNvGrpSpPr/>
-        <p:nvPr/>
-      </p:nvGrpSpPr>
-      <p:grpSpPr>
-        <a:xfrm>
-          <a:off x="0" y="0"/>
-          <a:ext cx="0" cy="0"/>
-          <a:chOff x="0" y="0"/>
-          <a:chExt cx="0" cy="0"/>
-        </a:xfrm>
-      </p:grpSpPr>
-      <p:sp>
-        <p:nvSpPr>
-          <p:cNvPr id="2" name="Title 1">
-            <a:extLst>
-              <a:ext uri="{FF2B5EF4-FFF2-40B4-BE49-F238E27FC236}">
-                <a16:creationId xmlns:a16="http://schemas.microsoft.com/office/drawing/2014/main" id="{71190D8A-E90E-45DF-0D09-2EAB9F5ADE6D}"/>
-              </a:ext>
-            </a:extLst>
-          </p:cNvPr>
-          <p:cNvSpPr>
-            <a:spLocks noGrp="1"/>
-          </p:cNvSpPr>
-          <p:nvPr>
-            <p:ph type="title"/>
-          </p:nvPr>
-        </p:nvSpPr>
-        <p:spPr/>
-        <p:txBody>
-          <a:bodyPr/>
-          <a:lstStyle/>
-          <a:p>
-            <a:r>
-              <a:rPr lang="en-US" b="1" dirty="0"/>
               <a:t>Prompt Engineering</a:t>
             </a:r>
           </a:p>
@@ -5014,7 +4351,7 @@
 </p:sld>
 </file>
 
-<file path=ppt/slides/slide13.xml><?xml version="1.0" encoding="utf-8"?>
+<file path=ppt/slides/slide12.xml><?xml version="1.0" encoding="utf-8"?>
 <p:sld xmlns:a="http://schemas.openxmlformats.org/drawingml/2006/main" xmlns:r="http://schemas.openxmlformats.org/officeDocument/2006/relationships" xmlns:p="http://schemas.openxmlformats.org/presentationml/2006/main">
   <p:cSld>
     <p:spTree>
@@ -5161,7 +4498,7 @@
 </p:sld>
 </file>
 
-<file path=ppt/slides/slide14.xml><?xml version="1.0" encoding="utf-8"?>
+<file path=ppt/slides/slide13.xml><?xml version="1.0" encoding="utf-8"?>
 <p:sld xmlns:a="http://schemas.openxmlformats.org/drawingml/2006/main" xmlns:r="http://schemas.openxmlformats.org/officeDocument/2006/relationships" xmlns:p="http://schemas.openxmlformats.org/presentationml/2006/main">
   <p:cSld>
     <p:spTree>
@@ -5315,7 +4652,7 @@
 </p:sld>
 </file>
 
-<file path=ppt/slides/slide15.xml><?xml version="1.0" encoding="utf-8"?>
+<file path=ppt/slides/slide14.xml><?xml version="1.0" encoding="utf-8"?>
 <p:sld xmlns:a="http://schemas.openxmlformats.org/drawingml/2006/main" xmlns:r="http://schemas.openxmlformats.org/officeDocument/2006/relationships" xmlns:p="http://schemas.openxmlformats.org/presentationml/2006/main">
   <p:cSld>
     <p:spTree>
@@ -5630,7 +4967,7 @@
 </p:sld>
 </file>
 
-<file path=ppt/slides/slide16.xml><?xml version="1.0" encoding="utf-8"?>
+<file path=ppt/slides/slide15.xml><?xml version="1.0" encoding="utf-8"?>
 <p:sld xmlns:a="http://schemas.openxmlformats.org/drawingml/2006/main" xmlns:r="http://schemas.openxmlformats.org/officeDocument/2006/relationships" xmlns:p="http://schemas.openxmlformats.org/presentationml/2006/main">
   <p:cSld>
     <p:spTree>
@@ -5748,7 +5085,7 @@
 </p:sld>
 </file>
 
-<file path=ppt/slides/slide17.xml><?xml version="1.0" encoding="utf-8"?>
+<file path=ppt/slides/slide16.xml><?xml version="1.0" encoding="utf-8"?>
 <p:sld xmlns:a="http://schemas.openxmlformats.org/drawingml/2006/main" xmlns:r="http://schemas.openxmlformats.org/officeDocument/2006/relationships" xmlns:p="http://schemas.openxmlformats.org/presentationml/2006/main">
   <p:cSld>
     <p:spTree>
@@ -5866,7 +5203,7 @@
 </p:sld>
 </file>
 
-<file path=ppt/slides/slide18.xml><?xml version="1.0" encoding="utf-8"?>
+<file path=ppt/slides/slide17.xml><?xml version="1.0" encoding="utf-8"?>
 <p:sld xmlns:a="http://schemas.openxmlformats.org/drawingml/2006/main" xmlns:r="http://schemas.openxmlformats.org/officeDocument/2006/relationships" xmlns:p="http://schemas.openxmlformats.org/presentationml/2006/main">
   <p:cSld>
     <p:spTree>
@@ -5984,7 +5321,7 @@
 </p:sld>
 </file>
 
-<file path=ppt/slides/slide19.xml><?xml version="1.0" encoding="utf-8"?>
+<file path=ppt/slides/slide18.xml><?xml version="1.0" encoding="utf-8"?>
 <p:sld xmlns:a="http://schemas.openxmlformats.org/drawingml/2006/main" xmlns:r="http://schemas.openxmlformats.org/officeDocument/2006/relationships" xmlns:p="http://schemas.openxmlformats.org/presentationml/2006/main">
   <p:cSld>
     <p:spTree>
@@ -6102,129 +5439,7 @@
 </p:sld>
 </file>
 
-<file path=ppt/slides/slide2.xml><?xml version="1.0" encoding="utf-8"?>
-<p:sld xmlns:a="http://schemas.openxmlformats.org/drawingml/2006/main" xmlns:r="http://schemas.openxmlformats.org/officeDocument/2006/relationships" xmlns:p="http://schemas.openxmlformats.org/presentationml/2006/main">
-  <p:cSld>
-    <p:spTree>
-      <p:nvGrpSpPr>
-        <p:cNvPr id="1" name=""/>
-        <p:cNvGrpSpPr/>
-        <p:nvPr/>
-      </p:nvGrpSpPr>
-      <p:grpSpPr>
-        <a:xfrm>
-          <a:off x="0" y="0"/>
-          <a:ext cx="0" cy="0"/>
-          <a:chOff x="0" y="0"/>
-          <a:chExt cx="0" cy="0"/>
-        </a:xfrm>
-      </p:grpSpPr>
-      <p:sp>
-        <p:nvSpPr>
-          <p:cNvPr id="2" name="Title 1">
-            <a:extLst>
-              <a:ext uri="{FF2B5EF4-FFF2-40B4-BE49-F238E27FC236}">
-                <a16:creationId xmlns:a16="http://schemas.microsoft.com/office/drawing/2014/main" id="{4B46E646-7500-CBFB-037A-9EB81193E760}"/>
-              </a:ext>
-            </a:extLst>
-          </p:cNvPr>
-          <p:cNvSpPr>
-            <a:spLocks noGrp="1"/>
-          </p:cNvSpPr>
-          <p:nvPr>
-            <p:ph type="title"/>
-          </p:nvPr>
-        </p:nvSpPr>
-        <p:spPr/>
-        <p:txBody>
-          <a:bodyPr/>
-          <a:lstStyle/>
-          <a:p>
-            <a:r>
-              <a:rPr lang="en-US" b="1" dirty="0"/>
-              <a:t>Table of content</a:t>
-            </a:r>
-          </a:p>
-        </p:txBody>
-      </p:sp>
-      <p:sp>
-        <p:nvSpPr>
-          <p:cNvPr id="3" name="Content Placeholder 2">
-            <a:extLst>
-              <a:ext uri="{FF2B5EF4-FFF2-40B4-BE49-F238E27FC236}">
-                <a16:creationId xmlns:a16="http://schemas.microsoft.com/office/drawing/2014/main" id="{3CF7D359-EB74-53EC-4131-DBBAA570D528}"/>
-              </a:ext>
-            </a:extLst>
-          </p:cNvPr>
-          <p:cNvSpPr>
-            <a:spLocks noGrp="1"/>
-          </p:cNvSpPr>
-          <p:nvPr>
-            <p:ph idx="1"/>
-          </p:nvPr>
-        </p:nvSpPr>
-        <p:spPr/>
-        <p:txBody>
-          <a:bodyPr/>
-          <a:lstStyle/>
-          <a:p>
-            <a:r>
-              <a:rPr lang="en-US" dirty="0"/>
-              <a:t>Understanding the Problem</a:t>
-            </a:r>
-          </a:p>
-          <a:p>
-            <a:r>
-              <a:rPr lang="en-US" dirty="0"/>
-              <a:t>Scope</a:t>
-            </a:r>
-          </a:p>
-          <a:p>
-            <a:r>
-              <a:rPr lang="en-US" dirty="0"/>
-              <a:t>Features</a:t>
-            </a:r>
-          </a:p>
-          <a:p>
-            <a:r>
-              <a:rPr lang="en-US" dirty="0"/>
-              <a:t>Architecture</a:t>
-            </a:r>
-          </a:p>
-          <a:p>
-            <a:r>
-              <a:rPr lang="en-US" dirty="0"/>
-              <a:t>Prompt Engineering</a:t>
-            </a:r>
-          </a:p>
-          <a:p>
-            <a:r>
-              <a:rPr lang="en-US" dirty="0"/>
-              <a:t>Demo</a:t>
-            </a:r>
-          </a:p>
-          <a:p>
-            <a:r>
-              <a:rPr lang="en-US" dirty="0"/>
-              <a:t>Evaluation</a:t>
-            </a:r>
-          </a:p>
-        </p:txBody>
-      </p:sp>
-    </p:spTree>
-    <p:extLst>
-      <p:ext uri="{BB962C8B-B14F-4D97-AF65-F5344CB8AC3E}">
-        <p14:creationId xmlns:p14="http://schemas.microsoft.com/office/powerpoint/2010/main" val="1668790669"/>
-      </p:ext>
-    </p:extLst>
-  </p:cSld>
-  <p:clrMapOvr>
-    <a:masterClrMapping/>
-  </p:clrMapOvr>
-</p:sld>
-</file>
-
-<file path=ppt/slides/slide20.xml><?xml version="1.0" encoding="utf-8"?>
+<file path=ppt/slides/slide19.xml><?xml version="1.0" encoding="utf-8"?>
 <p:sld xmlns:a="http://schemas.openxmlformats.org/drawingml/2006/main" xmlns:r="http://schemas.openxmlformats.org/officeDocument/2006/relationships" xmlns:p="http://schemas.openxmlformats.org/presentationml/2006/main">
   <p:cSld>
     <p:spTree>
@@ -6342,7 +5557,129 @@
 </p:sld>
 </file>
 
-<file path=ppt/slides/slide21.xml><?xml version="1.0" encoding="utf-8"?>
+<file path=ppt/slides/slide2.xml><?xml version="1.0" encoding="utf-8"?>
+<p:sld xmlns:a="http://schemas.openxmlformats.org/drawingml/2006/main" xmlns:r="http://schemas.openxmlformats.org/officeDocument/2006/relationships" xmlns:p="http://schemas.openxmlformats.org/presentationml/2006/main">
+  <p:cSld>
+    <p:spTree>
+      <p:nvGrpSpPr>
+        <p:cNvPr id="1" name=""/>
+        <p:cNvGrpSpPr/>
+        <p:nvPr/>
+      </p:nvGrpSpPr>
+      <p:grpSpPr>
+        <a:xfrm>
+          <a:off x="0" y="0"/>
+          <a:ext cx="0" cy="0"/>
+          <a:chOff x="0" y="0"/>
+          <a:chExt cx="0" cy="0"/>
+        </a:xfrm>
+      </p:grpSpPr>
+      <p:sp>
+        <p:nvSpPr>
+          <p:cNvPr id="2" name="Title 1">
+            <a:extLst>
+              <a:ext uri="{FF2B5EF4-FFF2-40B4-BE49-F238E27FC236}">
+                <a16:creationId xmlns:a16="http://schemas.microsoft.com/office/drawing/2014/main" id="{4B46E646-7500-CBFB-037A-9EB81193E760}"/>
+              </a:ext>
+            </a:extLst>
+          </p:cNvPr>
+          <p:cNvSpPr>
+            <a:spLocks noGrp="1"/>
+          </p:cNvSpPr>
+          <p:nvPr>
+            <p:ph type="title"/>
+          </p:nvPr>
+        </p:nvSpPr>
+        <p:spPr/>
+        <p:txBody>
+          <a:bodyPr/>
+          <a:lstStyle/>
+          <a:p>
+            <a:r>
+              <a:rPr lang="en-US" b="1" dirty="0"/>
+              <a:t>Table of content</a:t>
+            </a:r>
+          </a:p>
+        </p:txBody>
+      </p:sp>
+      <p:sp>
+        <p:nvSpPr>
+          <p:cNvPr id="3" name="Content Placeholder 2">
+            <a:extLst>
+              <a:ext uri="{FF2B5EF4-FFF2-40B4-BE49-F238E27FC236}">
+                <a16:creationId xmlns:a16="http://schemas.microsoft.com/office/drawing/2014/main" id="{3CF7D359-EB74-53EC-4131-DBBAA570D528}"/>
+              </a:ext>
+            </a:extLst>
+          </p:cNvPr>
+          <p:cNvSpPr>
+            <a:spLocks noGrp="1"/>
+          </p:cNvSpPr>
+          <p:nvPr>
+            <p:ph idx="1"/>
+          </p:nvPr>
+        </p:nvSpPr>
+        <p:spPr/>
+        <p:txBody>
+          <a:bodyPr/>
+          <a:lstStyle/>
+          <a:p>
+            <a:r>
+              <a:rPr lang="en-US" dirty="0"/>
+              <a:t>Understanding the Problem</a:t>
+            </a:r>
+          </a:p>
+          <a:p>
+            <a:r>
+              <a:rPr lang="en-US" dirty="0"/>
+              <a:t>Scope</a:t>
+            </a:r>
+          </a:p>
+          <a:p>
+            <a:r>
+              <a:rPr lang="en-US" dirty="0"/>
+              <a:t>Features</a:t>
+            </a:r>
+          </a:p>
+          <a:p>
+            <a:r>
+              <a:rPr lang="en-US" dirty="0"/>
+              <a:t>Architecture</a:t>
+            </a:r>
+          </a:p>
+          <a:p>
+            <a:r>
+              <a:rPr lang="en-US" dirty="0"/>
+              <a:t>Prompt Engineering</a:t>
+            </a:r>
+          </a:p>
+          <a:p>
+            <a:r>
+              <a:rPr lang="en-US" dirty="0"/>
+              <a:t>Demo</a:t>
+            </a:r>
+          </a:p>
+          <a:p>
+            <a:r>
+              <a:rPr lang="en-US" dirty="0"/>
+              <a:t>Evaluation</a:t>
+            </a:r>
+          </a:p>
+        </p:txBody>
+      </p:sp>
+    </p:spTree>
+    <p:extLst>
+      <p:ext uri="{BB962C8B-B14F-4D97-AF65-F5344CB8AC3E}">
+        <p14:creationId xmlns:p14="http://schemas.microsoft.com/office/powerpoint/2010/main" val="1668790669"/>
+      </p:ext>
+    </p:extLst>
+  </p:cSld>
+  <p:clrMapOvr>
+    <a:masterClrMapping/>
+  </p:clrMapOvr>
+</p:sld>
+</file>
+
+<file path=ppt/slides/slide20.xml><?xml version="1.0" encoding="utf-8"?>
 <p:sld xmlns:a="http://schemas.openxmlformats.org/drawingml/2006/main" xmlns:r="http://schemas.openxmlformats.org/officeDocument/2006/relationships" xmlns:p="http://schemas.openxmlformats.org/presentationml/2006/main">
   <p:cSld>
     <p:spTree>
@@ -6460,7 +5797,7 @@
 </p:sld>
 </file>
 
-<file path=ppt/slides/slide22.xml><?xml version="1.0" encoding="utf-8"?>
+<file path=ppt/slides/slide21.xml><?xml version="1.0" encoding="utf-8"?>
 <p:sld xmlns:a="http://schemas.openxmlformats.org/drawingml/2006/main" xmlns:r="http://schemas.openxmlformats.org/officeDocument/2006/relationships" xmlns:p="http://schemas.openxmlformats.org/presentationml/2006/main">
   <p:cSld>
     <p:spTree>
@@ -6578,7 +5915,7 @@
 </p:sld>
 </file>
 
-<file path=ppt/slides/slide23.xml><?xml version="1.0" encoding="utf-8"?>
+<file path=ppt/slides/slide22.xml><?xml version="1.0" encoding="utf-8"?>
 <p:sld xmlns:a="http://schemas.openxmlformats.org/drawingml/2006/main" xmlns:r="http://schemas.openxmlformats.org/officeDocument/2006/relationships" xmlns:p="http://schemas.openxmlformats.org/presentationml/2006/main">
   <p:cSld>
     <p:spTree>
@@ -6666,7 +6003,7 @@
 </p:sld>
 </file>
 
-<file path=ppt/slides/slide24.xml><?xml version="1.0" encoding="utf-8"?>
+<file path=ppt/slides/slide23.xml><?xml version="1.0" encoding="utf-8"?>
 <p:sld xmlns:a="http://schemas.openxmlformats.org/drawingml/2006/main" xmlns:r="http://schemas.openxmlformats.org/officeDocument/2006/relationships" xmlns:p="http://schemas.openxmlformats.org/presentationml/2006/main">
   <p:cSld>
     <p:spTree>
